--- a/prezentare Colibaba.pptx
+++ b/prezentare Colibaba.pptx
@@ -5,10 +5,10 @@
     <p:sldMasterId id="2147483648" r:id="rId4"/>
   </p:sldMasterIdLst>
   <p:notesMasterIdLst>
-    <p:notesMasterId r:id="rId19"/>
+    <p:notesMasterId r:id="rId20"/>
   </p:notesMasterIdLst>
   <p:handoutMasterIdLst>
-    <p:handoutMasterId r:id="rId20"/>
+    <p:handoutMasterId r:id="rId21"/>
   </p:handoutMasterIdLst>
   <p:sldIdLst>
     <p:sldId id="256" r:id="rId5"/>
@@ -24,7 +24,8 @@
     <p:sldId id="279" r:id="rId15"/>
     <p:sldId id="286" r:id="rId16"/>
     <p:sldId id="284" r:id="rId17"/>
-    <p:sldId id="271" r:id="rId18"/>
+    <p:sldId id="289" r:id="rId18"/>
+    <p:sldId id="271" r:id="rId19"/>
   </p:sldIdLst>
   <p:sldSz cx="12192000" cy="6858000"/>
   <p:notesSz cx="6858000" cy="9144000"/>
@@ -138,6 +139,7 @@
 <p1510:revInfo xmlns:a="http://schemas.openxmlformats.org/drawingml/2006/main" xmlns:r="http://schemas.openxmlformats.org/officeDocument/2006/relationships" xmlns:p1510="http://schemas.microsoft.com/office/powerpoint/2015/10/main">
   <p1510:revLst>
     <p1510:client id="{078962DB-0D98-4E74-B2FC-0BAEB4AC4B7E}" v="2048" dt="2024-07-22T04:33:40.400"/>
+    <p1510:client id="{B6E6170B-6CFA-4541-9963-8FDCB185CDD3}" v="29" dt="2024-07-22T06:29:23.924"/>
   </p1510:revLst>
 </p1510:revInfo>
 </file>
@@ -792,6 +794,125 @@
       </pc:sldChg>
     </pc:docChg>
   </pc:docChgLst>
+  <pc:docChgLst>
+    <pc:chgData name="Rareș Colibaba" userId="0fc7c78b6a554ca2" providerId="Windows Live" clId="Web-{B6E6170B-6CFA-4541-9963-8FDCB185CDD3}"/>
+    <pc:docChg chg="addSld modSld">
+      <pc:chgData name="Rareș Colibaba" userId="0fc7c78b6a554ca2" providerId="Windows Live" clId="Web-{B6E6170B-6CFA-4541-9963-8FDCB185CDD3}" dt="2024-07-22T06:29:23.924" v="27" actId="14100"/>
+      <pc:docMkLst>
+        <pc:docMk/>
+      </pc:docMkLst>
+      <pc:sldChg chg="addSp delSp modSp">
+        <pc:chgData name="Rareș Colibaba" userId="0fc7c78b6a554ca2" providerId="Windows Live" clId="Web-{B6E6170B-6CFA-4541-9963-8FDCB185CDD3}" dt="2024-07-22T06:29:23.924" v="27" actId="14100"/>
+        <pc:sldMkLst>
+          <pc:docMk/>
+          <pc:sldMk cId="2403577982" sldId="284"/>
+        </pc:sldMkLst>
+        <pc:spChg chg="add del mod">
+          <ac:chgData name="Rareș Colibaba" userId="0fc7c78b6a554ca2" providerId="Windows Live" clId="Web-{B6E6170B-6CFA-4541-9963-8FDCB185CDD3}" dt="2024-07-22T06:28:06.047" v="9"/>
+          <ac:spMkLst>
+            <pc:docMk/>
+            <pc:sldMk cId="2403577982" sldId="284"/>
+            <ac:spMk id="3" creationId="{6439C265-A179-2651-E29D-498106E060DF}"/>
+          </ac:spMkLst>
+        </pc:spChg>
+        <pc:spChg chg="add del mod">
+          <ac:chgData name="Rareș Colibaba" userId="0fc7c78b6a554ca2" providerId="Windows Live" clId="Web-{B6E6170B-6CFA-4541-9963-8FDCB185CDD3}" dt="2024-07-22T06:28:09.375" v="13"/>
+          <ac:spMkLst>
+            <pc:docMk/>
+            <pc:sldMk cId="2403577982" sldId="284"/>
+            <ac:spMk id="5" creationId="{322BEF17-5286-F950-46B1-353EEB24D815}"/>
+          </ac:spMkLst>
+        </pc:spChg>
+        <pc:spChg chg="del">
+          <ac:chgData name="Rareș Colibaba" userId="0fc7c78b6a554ca2" providerId="Windows Live" clId="Web-{B6E6170B-6CFA-4541-9963-8FDCB185CDD3}" dt="2024-07-22T06:27:58.969" v="7"/>
+          <ac:spMkLst>
+            <pc:docMk/>
+            <pc:sldMk cId="2403577982" sldId="284"/>
+            <ac:spMk id="6" creationId="{D2E1CF79-4FDC-8CAF-CC16-E309A2C49758}"/>
+          </ac:spMkLst>
+        </pc:spChg>
+        <pc:spChg chg="add del mod">
+          <ac:chgData name="Rareș Colibaba" userId="0fc7c78b6a554ca2" providerId="Windows Live" clId="Web-{B6E6170B-6CFA-4541-9963-8FDCB185CDD3}" dt="2024-07-22T06:28:09.375" v="12"/>
+          <ac:spMkLst>
+            <pc:docMk/>
+            <pc:sldMk cId="2403577982" sldId="284"/>
+            <ac:spMk id="8" creationId="{C55382EF-8124-7615-A4C6-B3F4923765C9}"/>
+          </ac:spMkLst>
+        </pc:spChg>
+        <pc:spChg chg="del mod">
+          <ac:chgData name="Rareș Colibaba" userId="0fc7c78b6a554ca2" providerId="Windows Live" clId="Web-{B6E6170B-6CFA-4541-9963-8FDCB185CDD3}" dt="2024-07-22T06:27:58.719" v="3"/>
+          <ac:spMkLst>
+            <pc:docMk/>
+            <pc:sldMk cId="2403577982" sldId="284"/>
+            <ac:spMk id="9" creationId="{C396FFDC-ADE8-4009-A466-A81787258E88}"/>
+          </ac:spMkLst>
+        </pc:spChg>
+        <pc:spChg chg="add del mod">
+          <ac:chgData name="Rareș Colibaba" userId="0fc7c78b6a554ca2" providerId="Windows Live" clId="Web-{B6E6170B-6CFA-4541-9963-8FDCB185CDD3}" dt="2024-07-22T06:28:09.375" v="11"/>
+          <ac:spMkLst>
+            <pc:docMk/>
+            <pc:sldMk cId="2403577982" sldId="284"/>
+            <ac:spMk id="11" creationId="{78988A1F-3A1B-0965-4C32-90B398FAB2B2}"/>
+          </ac:spMkLst>
+        </pc:spChg>
+        <pc:spChg chg="add del mod">
+          <ac:chgData name="Rareș Colibaba" userId="0fc7c78b6a554ca2" providerId="Windows Live" clId="Web-{B6E6170B-6CFA-4541-9963-8FDCB185CDD3}" dt="2024-07-22T06:28:09.375" v="10"/>
+          <ac:spMkLst>
+            <pc:docMk/>
+            <pc:sldMk cId="2403577982" sldId="284"/>
+            <ac:spMk id="13" creationId="{69A62FEE-B271-9959-AF52-D2F0A7EA4BE7}"/>
+          </ac:spMkLst>
+        </pc:spChg>
+        <pc:spChg chg="del">
+          <ac:chgData name="Rareș Colibaba" userId="0fc7c78b6a554ca2" providerId="Windows Live" clId="Web-{B6E6170B-6CFA-4541-9963-8FDCB185CDD3}" dt="2024-07-22T06:27:59.016" v="8"/>
+          <ac:spMkLst>
+            <pc:docMk/>
+            <pc:sldMk cId="2403577982" sldId="284"/>
+            <ac:spMk id="17" creationId="{09140014-73D5-419B-8867-972BB18D52D4}"/>
+          </ac:spMkLst>
+        </pc:spChg>
+        <pc:spChg chg="del">
+          <ac:chgData name="Rareș Colibaba" userId="0fc7c78b6a554ca2" providerId="Windows Live" clId="Web-{B6E6170B-6CFA-4541-9963-8FDCB185CDD3}" dt="2024-07-22T06:27:58.922" v="6"/>
+          <ac:spMkLst>
+            <pc:docMk/>
+            <pc:sldMk cId="2403577982" sldId="284"/>
+            <ac:spMk id="20" creationId="{33D8731E-4977-402E-8BFD-895B4D0544CC}"/>
+          </ac:spMkLst>
+        </pc:spChg>
+        <pc:spChg chg="del">
+          <ac:chgData name="Rareș Colibaba" userId="0fc7c78b6a554ca2" providerId="Windows Live" clId="Web-{B6E6170B-6CFA-4541-9963-8FDCB185CDD3}" dt="2024-07-22T06:27:58.875" v="5"/>
+          <ac:spMkLst>
+            <pc:docMk/>
+            <pc:sldMk cId="2403577982" sldId="284"/>
+            <ac:spMk id="34" creationId="{AE07A905-8B37-D13F-25D3-1D3BCDB86B0B}"/>
+          </ac:spMkLst>
+        </pc:spChg>
+        <pc:spChg chg="del">
+          <ac:chgData name="Rareș Colibaba" userId="0fc7c78b6a554ca2" providerId="Windows Live" clId="Web-{B6E6170B-6CFA-4541-9963-8FDCB185CDD3}" dt="2024-07-22T06:27:58.797" v="4"/>
+          <ac:spMkLst>
+            <pc:docMk/>
+            <pc:sldMk cId="2403577982" sldId="284"/>
+            <ac:spMk id="35" creationId="{4E9A764F-6B65-050E-E561-82F77339D164}"/>
+          </ac:spMkLst>
+        </pc:spChg>
+        <pc:picChg chg="add mod ord">
+          <ac:chgData name="Rareș Colibaba" userId="0fc7c78b6a554ca2" providerId="Windows Live" clId="Web-{B6E6170B-6CFA-4541-9963-8FDCB185CDD3}" dt="2024-07-22T06:29:23.924" v="27" actId="14100"/>
+          <ac:picMkLst>
+            <pc:docMk/>
+            <pc:sldMk cId="2403577982" sldId="284"/>
+            <ac:picMk id="14" creationId="{7B375818-A3AA-5693-03F0-320D6D415CAD}"/>
+          </ac:picMkLst>
+        </pc:picChg>
+      </pc:sldChg>
+      <pc:sldChg chg="add replId">
+        <pc:chgData name="Rareș Colibaba" userId="0fc7c78b6a554ca2" providerId="Windows Live" clId="Web-{B6E6170B-6CFA-4541-9963-8FDCB185CDD3}" dt="2024-07-22T06:27:52.047" v="0"/>
+        <pc:sldMkLst>
+          <pc:docMk/>
+          <pc:sldMk cId="3808108210" sldId="289"/>
+        </pc:sldMkLst>
+      </pc:sldChg>
+    </pc:docChg>
+  </pc:docChgLst>
 </pc:chgInfo>
 </file>
 
@@ -1482,7 +1603,7 @@
           <a:p>
             <a:fld id="{22289C57-55D7-40A4-A101-E74FAC7A092B}" type="slidenum">
               <a:rPr lang="en-US" smtClean="0"/>
-              <a:t>7</a:t>
+              <a:t>10</a:t>
             </a:fld>
             <a:endParaRPr lang="en-US" dirty="0"/>
           </a:p>
@@ -1566,7 +1687,7 @@
           <a:p>
             <a:fld id="{22289C57-55D7-40A4-A101-E74FAC7A092B}" type="slidenum">
               <a:rPr lang="en-US" smtClean="0"/>
-              <a:t>10</a:t>
+              <a:t>11</a:t>
             </a:fld>
             <a:endParaRPr lang="en-US" dirty="0"/>
           </a:p>
@@ -1734,7 +1855,7 @@
           <a:p>
             <a:fld id="{22289C57-55D7-40A4-A101-E74FAC7A092B}" type="slidenum">
               <a:rPr lang="en-US" smtClean="0"/>
-              <a:t>11</a:t>
+              <a:t>13</a:t>
             </a:fld>
             <a:endParaRPr lang="en-US" dirty="0"/>
           </a:p>
@@ -1818,7 +1939,91 @@
           <a:p>
             <a:fld id="{22289C57-55D7-40A4-A101-E74FAC7A092B}" type="slidenum">
               <a:rPr lang="en-US" smtClean="0"/>
-              <a:t>13</a:t>
+              <a:t>14</a:t>
+            </a:fld>
+            <a:endParaRPr lang="en-US" dirty="0"/>
+          </a:p>
+        </p:txBody>
+      </p:sp>
+    </p:spTree>
+    <p:extLst>
+      <p:ext uri="{BB962C8B-B14F-4D97-AF65-F5344CB8AC3E}">
+        <p14:creationId xmlns:p14="http://schemas.microsoft.com/office/powerpoint/2010/main" val="237710777"/>
+      </p:ext>
+    </p:extLst>
+  </p:cSld>
+  <p:clrMapOvr>
+    <a:masterClrMapping/>
+  </p:clrMapOvr>
+</p:notes>
+</file>
+
+<file path=ppt/notesSlides/notesSlide15.xml><?xml version="1.0" encoding="utf-8"?>
+<p:notes xmlns:a="http://schemas.openxmlformats.org/drawingml/2006/main" xmlns:r="http://schemas.openxmlformats.org/officeDocument/2006/relationships" xmlns:p="http://schemas.openxmlformats.org/presentationml/2006/main">
+  <p:cSld>
+    <p:spTree>
+      <p:nvGrpSpPr>
+        <p:cNvPr id="1" name=""/>
+        <p:cNvGrpSpPr/>
+        <p:nvPr/>
+      </p:nvGrpSpPr>
+      <p:grpSpPr>
+        <a:xfrm>
+          <a:off x="0" y="0"/>
+          <a:ext cx="0" cy="0"/>
+          <a:chOff x="0" y="0"/>
+          <a:chExt cx="0" cy="0"/>
+        </a:xfrm>
+      </p:grpSpPr>
+      <p:sp>
+        <p:nvSpPr>
+          <p:cNvPr id="2" name="Slide Image Placeholder 1"/>
+          <p:cNvSpPr>
+            <a:spLocks noGrp="1" noRot="1" noChangeAspect="1"/>
+          </p:cNvSpPr>
+          <p:nvPr>
+            <p:ph type="sldImg"/>
+          </p:nvPr>
+        </p:nvSpPr>
+        <p:spPr/>
+      </p:sp>
+      <p:sp>
+        <p:nvSpPr>
+          <p:cNvPr id="3" name="Notes Placeholder 2"/>
+          <p:cNvSpPr>
+            <a:spLocks noGrp="1"/>
+          </p:cNvSpPr>
+          <p:nvPr>
+            <p:ph type="body" idx="1"/>
+          </p:nvPr>
+        </p:nvSpPr>
+        <p:spPr/>
+        <p:txBody>
+          <a:bodyPr/>
+          <a:lstStyle/>
+          <a:p>
+            <a:endParaRPr lang="en-US" dirty="0"/>
+          </a:p>
+        </p:txBody>
+      </p:sp>
+      <p:sp>
+        <p:nvSpPr>
+          <p:cNvPr id="4" name="Slide Number Placeholder 3"/>
+          <p:cNvSpPr>
+            <a:spLocks noGrp="1"/>
+          </p:cNvSpPr>
+          <p:nvPr>
+            <p:ph type="sldNum" sz="quarter" idx="5"/>
+          </p:nvPr>
+        </p:nvSpPr>
+        <p:spPr/>
+        <p:txBody>
+          <a:bodyPr/>
+          <a:lstStyle/>
+          <a:p>
+            <a:fld id="{22289C57-55D7-40A4-A101-E74FAC7A092B}" type="slidenum">
+              <a:rPr lang="en-US" smtClean="0"/>
+              <a:t>14</a:t>
             </a:fld>
             <a:endParaRPr lang="en-US" dirty="0"/>
           </a:p>
@@ -1986,7 +2191,7 @@
           <a:p>
             <a:fld id="{22289C57-55D7-40A4-A101-E74FAC7A092B}" type="slidenum">
               <a:rPr lang="en-US" smtClean="0"/>
-              <a:t>12</a:t>
+              <a:t>3</a:t>
             </a:fld>
             <a:endParaRPr lang="en-US" dirty="0"/>
           </a:p>
@@ -2070,7 +2275,7 @@
           <a:p>
             <a:fld id="{22289C57-55D7-40A4-A101-E74FAC7A092B}" type="slidenum">
               <a:rPr lang="en-US" smtClean="0"/>
-              <a:t>3</a:t>
+              <a:t>4</a:t>
             </a:fld>
             <a:endParaRPr lang="en-US" dirty="0"/>
           </a:p>
@@ -2154,7 +2359,7 @@
           <a:p>
             <a:fld id="{22289C57-55D7-40A4-A101-E74FAC7A092B}" type="slidenum">
               <a:rPr lang="en-US" smtClean="0"/>
-              <a:t>4</a:t>
+              <a:t>5</a:t>
             </a:fld>
             <a:endParaRPr lang="en-US" dirty="0"/>
           </a:p>
@@ -2238,7 +2443,7 @@
           <a:p>
             <a:fld id="{22289C57-55D7-40A4-A101-E74FAC7A092B}" type="slidenum">
               <a:rPr lang="en-US" smtClean="0"/>
-              <a:t>5</a:t>
+              <a:t>6</a:t>
             </a:fld>
             <a:endParaRPr lang="en-US" dirty="0"/>
           </a:p>
@@ -2322,7 +2527,7 @@
           <a:p>
             <a:fld id="{22289C57-55D7-40A4-A101-E74FAC7A092B}" type="slidenum">
               <a:rPr lang="en-US" smtClean="0"/>
-              <a:t>6</a:t>
+              <a:t>7</a:t>
             </a:fld>
             <a:endParaRPr lang="en-US" dirty="0"/>
           </a:p>
@@ -2406,7 +2611,7 @@
           <a:p>
             <a:fld id="{22289C57-55D7-40A4-A101-E74FAC7A092B}" type="slidenum">
               <a:rPr lang="en-US" smtClean="0"/>
-              <a:t>7</a:t>
+              <a:t>8</a:t>
             </a:fld>
             <a:endParaRPr lang="en-US" dirty="0"/>
           </a:p>
@@ -8624,679 +8829,35 @@
           <a:chExt cx="0" cy="0"/>
         </a:xfrm>
       </p:grpSpPr>
-      <p:sp>
-        <p:nvSpPr>
-          <p:cNvPr id="17" name="Title 1">
+      <p:pic>
+        <p:nvPicPr>
+          <p:cNvPr id="14" name="Substituent conținut 13" descr="O imagine care conține text, chitanță, scris de mână&#10;&#10;Descriere generată automat">
             <a:extLst>
               <a:ext uri="{FF2B5EF4-FFF2-40B4-BE49-F238E27FC236}">
-                <a16:creationId xmlns:a16="http://schemas.microsoft.com/office/drawing/2014/main" id="{09140014-73D5-419B-8867-972BB18D52D4}"/>
+                <a16:creationId xmlns:a16="http://schemas.microsoft.com/office/drawing/2014/main" id="{7B375818-A3AA-5693-03F0-320D6D415CAD}"/>
               </a:ext>
             </a:extLst>
           </p:cNvPr>
-          <p:cNvSpPr>
-            <a:spLocks noGrp="1"/>
-          </p:cNvSpPr>
-          <p:nvPr>
-            <p:ph type="title"/>
-          </p:nvPr>
-        </p:nvSpPr>
+          <p:cNvPicPr>
+            <a:picLocks noGrp="1" noChangeAspect="1"/>
+          </p:cNvPicPr>
+          <p:nvPr>
+            <p:ph sz="half" idx="14"/>
+          </p:nvPr>
+        </p:nvPicPr>
+        <p:blipFill>
+          <a:blip r:embed="rId3"/>
+          <a:stretch>
+            <a:fillRect/>
+          </a:stretch>
+        </p:blipFill>
         <p:spPr>
           <a:xfrm>
-            <a:off x="838200" y="337192"/>
-            <a:ext cx="5655197" cy="1997867"/>
+            <a:off x="-385060" y="-52935"/>
+            <a:ext cx="6977111" cy="6908798"/>
           </a:xfrm>
         </p:spPr>
-        <p:txBody>
-          <a:bodyPr anchor="b"/>
-          <a:lstStyle/>
-          <a:p>
-            <a:r>
-              <a:rPr lang="en-US" err="1"/>
-              <a:t>Concluzii</a:t>
-            </a:r>
-            <a:r>
-              <a:rPr lang="en-US"/>
-              <a:t> &amp; viitor</a:t>
-            </a:r>
-            <a:endParaRPr lang="ro-RO"/>
-          </a:p>
-        </p:txBody>
-      </p:sp>
-      <p:sp>
-        <p:nvSpPr>
-          <p:cNvPr id="6" name="Text Placeholder 5">
-            <a:extLst>
-              <a:ext uri="{FF2B5EF4-FFF2-40B4-BE49-F238E27FC236}">
-                <a16:creationId xmlns:a16="http://schemas.microsoft.com/office/drawing/2014/main" id="{D2E1CF79-4FDC-8CAF-CC16-E309A2C49758}"/>
-              </a:ext>
-            </a:extLst>
-          </p:cNvPr>
-          <p:cNvSpPr>
-            <a:spLocks noGrp="1"/>
-          </p:cNvSpPr>
-          <p:nvPr>
-            <p:ph type="body" idx="1"/>
-          </p:nvPr>
-        </p:nvSpPr>
-        <p:spPr>
-          <a:xfrm>
-            <a:off x="852055" y="2310322"/>
-            <a:ext cx="5733772" cy="448990"/>
-          </a:xfrm>
-        </p:spPr>
-        <p:txBody>
-          <a:bodyPr/>
-          <a:lstStyle/>
-          <a:p>
-            <a:r>
-              <a:rPr lang="en-US">
-                <a:latin typeface="Calibri"/>
-                <a:cs typeface="Calibri"/>
-              </a:rPr>
-              <a:t>Afișaj mai dinamic și input mai interactiv</a:t>
-            </a:r>
-            <a:endParaRPr lang="ro-RO">
-              <a:latin typeface="Calibri"/>
-              <a:cs typeface="Calibri"/>
-            </a:endParaRPr>
-          </a:p>
-        </p:txBody>
-      </p:sp>
-      <p:sp>
-        <p:nvSpPr>
-          <p:cNvPr id="20" name="Content Placeholder 3">
-            <a:extLst>
-              <a:ext uri="{FF2B5EF4-FFF2-40B4-BE49-F238E27FC236}">
-                <a16:creationId xmlns:a16="http://schemas.microsoft.com/office/drawing/2014/main" id="{33D8731E-4977-402E-8BFD-895B4D0544CC}"/>
-              </a:ext>
-            </a:extLst>
-          </p:cNvPr>
-          <p:cNvSpPr>
-            <a:spLocks noGrp="1"/>
-          </p:cNvSpPr>
-          <p:nvPr>
-            <p:ph sz="half" idx="2"/>
-          </p:nvPr>
-        </p:nvSpPr>
-        <p:spPr>
-          <a:xfrm>
-            <a:off x="852054" y="2752384"/>
-            <a:ext cx="5733773" cy="3995623"/>
-          </a:xfrm>
-        </p:spPr>
-        <p:txBody>
-          <a:bodyPr vert="horz" lIns="91440" tIns="45720" rIns="91440" bIns="45720" rtlCol="0" anchor="t">
-            <a:noAutofit/>
-          </a:bodyPr>
-          <a:lstStyle/>
-          <a:p>
-            <a:r>
-              <a:rPr lang="en-US" err="1"/>
-              <a:t>Implementarea</a:t>
-            </a:r>
-            <a:r>
-              <a:rPr lang="en-US" dirty="0"/>
-              <a:t> </a:t>
-            </a:r>
-            <a:r>
-              <a:rPr lang="en-US" err="1"/>
-              <a:t>propriei</a:t>
-            </a:r>
-            <a:r>
-              <a:rPr lang="en-US" dirty="0"/>
-              <a:t> </a:t>
-            </a:r>
-            <a:r>
-              <a:rPr lang="en-US" err="1"/>
-              <a:t>specificații</a:t>
-            </a:r>
-            <a:r>
-              <a:rPr lang="en-US" dirty="0"/>
-              <a:t> </a:t>
-            </a:r>
-            <a:r>
-              <a:rPr lang="en-US" err="1"/>
-              <a:t>pentru</a:t>
-            </a:r>
-            <a:r>
-              <a:rPr lang="en-US" dirty="0"/>
-              <a:t> 7SD (</a:t>
-            </a:r>
-            <a:r>
-              <a:rPr lang="en-US" err="1"/>
-              <a:t>alfabet</a:t>
-            </a:r>
-            <a:r>
-              <a:rPr lang="en-US" dirty="0"/>
-              <a:t> &amp; </a:t>
-            </a:r>
-            <a:r>
-              <a:rPr lang="en-US" err="1"/>
-              <a:t>simboluri</a:t>
-            </a:r>
-            <a:r>
-              <a:rPr lang="en-US" dirty="0"/>
-              <a:t>)</a:t>
-            </a:r>
-          </a:p>
-          <a:p>
-            <a:pPr lvl="1"/>
-            <a:r>
-              <a:rPr lang="en-US" dirty="0"/>
-              <a:t>4 </a:t>
-            </a:r>
-            <a:r>
-              <a:rPr lang="en-US" dirty="0" err="1"/>
-              <a:t>biți</a:t>
-            </a:r>
-            <a:r>
-              <a:rPr lang="en-US" dirty="0"/>
-              <a:t> </a:t>
-            </a:r>
-            <a:r>
-              <a:rPr lang="en-US" dirty="0" err="1"/>
-              <a:t>pentru</a:t>
-            </a:r>
-            <a:r>
-              <a:rPr lang="en-US" dirty="0"/>
-              <a:t> </a:t>
-            </a:r>
-            <a:r>
-              <a:rPr lang="en-US" dirty="0" err="1"/>
-              <a:t>reprezentarea</a:t>
-            </a:r>
-            <a:r>
-              <a:rPr lang="en-US" dirty="0"/>
-              <a:t> </a:t>
-            </a:r>
-            <a:r>
-              <a:rPr lang="en-US" dirty="0" err="1"/>
-              <a:t>cifrelor</a:t>
-            </a:r>
-            <a:r>
-              <a:rPr lang="en-US" dirty="0"/>
-              <a:t>, </a:t>
-            </a:r>
-            <a:r>
-              <a:rPr lang="en-US" dirty="0" err="1"/>
-              <a:t>literelor</a:t>
-            </a:r>
-            <a:r>
-              <a:rPr lang="en-US" dirty="0"/>
-              <a:t> </a:t>
-            </a:r>
-            <a:r>
-              <a:rPr lang="en-US" dirty="0" err="1"/>
-              <a:t>și</a:t>
-            </a:r>
-            <a:r>
-              <a:rPr lang="en-US" dirty="0"/>
-              <a:t> </a:t>
-            </a:r>
-            <a:r>
-              <a:rPr lang="en-US" dirty="0" err="1"/>
-              <a:t>simbolurilor</a:t>
-            </a:r>
-            <a:r>
-              <a:rPr lang="en-US" dirty="0"/>
-              <a:t> </a:t>
-            </a:r>
-            <a:r>
-              <a:rPr lang="en-US" dirty="0" err="1"/>
-              <a:t>speciale</a:t>
-            </a:r>
-            <a:r>
-              <a:rPr lang="en-US" dirty="0"/>
-              <a:t> + 1 bit </a:t>
-            </a:r>
-            <a:r>
-              <a:rPr lang="en-US" dirty="0" err="1"/>
-              <a:t>dedicat</a:t>
-            </a:r>
-            <a:r>
-              <a:rPr lang="en-US" dirty="0"/>
-              <a:t> </a:t>
-            </a:r>
-            <a:r>
-              <a:rPr lang="en-US" dirty="0" err="1"/>
-              <a:t>pentru</a:t>
-            </a:r>
-            <a:r>
-              <a:rPr lang="en-US" dirty="0"/>
-              <a:t> </a:t>
-            </a:r>
-            <a:r>
-              <a:rPr lang="en-US" dirty="0" err="1"/>
-              <a:t>punct</a:t>
-            </a:r>
-            <a:endParaRPr lang="en-US" dirty="0"/>
-          </a:p>
-          <a:p>
-            <a:r>
-              <a:rPr lang="en-US" dirty="0" err="1"/>
-              <a:t>Afișarea</a:t>
-            </a:r>
-            <a:r>
-              <a:rPr lang="en-US" dirty="0"/>
-              <a:t> </a:t>
-            </a:r>
-            <a:r>
-              <a:rPr lang="en-US" dirty="0" err="1"/>
-              <a:t>cuvintelor</a:t>
-            </a:r>
-            <a:r>
-              <a:rPr lang="en-US" dirty="0"/>
-              <a:t> </a:t>
-            </a:r>
-            <a:r>
-              <a:rPr lang="en-US" dirty="0" err="1"/>
-              <a:t>folosind</a:t>
-            </a:r>
-            <a:r>
-              <a:rPr lang="en-US" dirty="0"/>
-              <a:t> </a:t>
-            </a:r>
-            <a:r>
-              <a:rPr lang="en-US" dirty="0" err="1"/>
-              <a:t>instrucțiuni</a:t>
-            </a:r>
-            <a:r>
-              <a:rPr lang="en-US" dirty="0"/>
-              <a:t> din RAM</a:t>
-            </a:r>
-          </a:p>
-          <a:p>
-            <a:pPr lvl="1"/>
-            <a:r>
-              <a:rPr lang="en-US" dirty="0" err="1"/>
-              <a:t>Funcție</a:t>
-            </a:r>
-            <a:r>
-              <a:rPr lang="en-US" dirty="0"/>
-              <a:t> </a:t>
-            </a:r>
-            <a:r>
-              <a:rPr lang="en-US" dirty="0" err="1"/>
-              <a:t>în</a:t>
-            </a:r>
-            <a:r>
-              <a:rPr lang="en-US" dirty="0"/>
-              <a:t> ROM </a:t>
-            </a:r>
-            <a:r>
-              <a:rPr lang="en-US" dirty="0" err="1"/>
-              <a:t>pentru</a:t>
-            </a:r>
-            <a:r>
-              <a:rPr lang="en-US" dirty="0"/>
-              <a:t> pipeline-</a:t>
-            </a:r>
-            <a:r>
-              <a:rPr lang="en-US" dirty="0" err="1"/>
-              <a:t>ul</a:t>
-            </a:r>
-            <a:r>
-              <a:rPr lang="en-US" dirty="0"/>
-              <a:t> de </a:t>
-            </a:r>
-            <a:r>
-              <a:rPr lang="en-US" dirty="0" err="1"/>
-              <a:t>citire</a:t>
-            </a:r>
-            <a:r>
-              <a:rPr lang="en-US" dirty="0"/>
-              <a:t> </a:t>
-            </a:r>
-            <a:r>
-              <a:rPr lang="en-US" dirty="0" err="1"/>
-              <a:t>și</a:t>
-            </a:r>
-            <a:r>
-              <a:rPr lang="en-US" dirty="0"/>
-              <a:t> </a:t>
-            </a:r>
-            <a:r>
-              <a:rPr lang="en-US" dirty="0" err="1"/>
-              <a:t>afișare</a:t>
-            </a:r>
-            <a:r>
-              <a:rPr lang="en-US" dirty="0"/>
-              <a:t> a </a:t>
-            </a:r>
-            <a:r>
-              <a:rPr lang="en-US" dirty="0" err="1"/>
-              <a:t>cuvintelor</a:t>
-            </a:r>
-          </a:p>
-          <a:p>
-            <a:pPr lvl="1"/>
-            <a:r>
-              <a:rPr lang="en-US" dirty="0" err="1"/>
-              <a:t>Citirea</a:t>
-            </a:r>
-            <a:r>
-              <a:rPr lang="en-US" dirty="0"/>
-              <a:t> </a:t>
-            </a:r>
-            <a:r>
-              <a:rPr lang="en-US" dirty="0" err="1"/>
-              <a:t>cuvintelor</a:t>
-            </a:r>
-            <a:r>
-              <a:rPr lang="en-US" dirty="0"/>
-              <a:t> din RAM, pe maxim 16x4 </a:t>
-            </a:r>
-            <a:r>
-              <a:rPr lang="en-US" dirty="0" err="1"/>
-              <a:t>biți</a:t>
-            </a:r>
-            <a:r>
-              <a:rPr lang="en-US" dirty="0"/>
-              <a:t>, cu </a:t>
-            </a:r>
-            <a:r>
-              <a:rPr lang="en-US" dirty="0" err="1"/>
-              <a:t>marcaj</a:t>
-            </a:r>
-            <a:r>
-              <a:rPr lang="en-US" dirty="0"/>
-              <a:t> de </a:t>
-            </a:r>
-            <a:r>
-              <a:rPr lang="en-US" dirty="0" err="1"/>
-              <a:t>încheiere</a:t>
-            </a:r>
-          </a:p>
-          <a:p>
-            <a:r>
-              <a:rPr lang="en-US" err="1"/>
-              <a:t>Întreruperi</a:t>
-            </a:r>
-            <a:endParaRPr lang="en-US" dirty="0" err="1"/>
-          </a:p>
-          <a:p>
-            <a:r>
-              <a:rPr lang="en-US" dirty="0"/>
-              <a:t>Output: DisplayPort/HDMI?</a:t>
-            </a:r>
-          </a:p>
-          <a:p>
-            <a:endParaRPr lang="en-US" dirty="0"/>
-          </a:p>
-        </p:txBody>
-      </p:sp>
-      <p:sp>
-        <p:nvSpPr>
-          <p:cNvPr id="34" name="Text Placeholder 33">
-            <a:extLst>
-              <a:ext uri="{FF2B5EF4-FFF2-40B4-BE49-F238E27FC236}">
-                <a16:creationId xmlns:a16="http://schemas.microsoft.com/office/drawing/2014/main" id="{AE07A905-8B37-D13F-25D3-1D3BCDB86B0B}"/>
-              </a:ext>
-            </a:extLst>
-          </p:cNvPr>
-          <p:cNvSpPr>
-            <a:spLocks noGrp="1"/>
-          </p:cNvSpPr>
-          <p:nvPr>
-            <p:ph type="body" sz="quarter" idx="3"/>
-          </p:nvPr>
-        </p:nvSpPr>
-        <p:spPr>
-          <a:xfrm>
-            <a:off x="6792599" y="2317250"/>
-            <a:ext cx="3943627" cy="448989"/>
-          </a:xfrm>
-        </p:spPr>
-        <p:txBody>
-          <a:bodyPr/>
-          <a:lstStyle/>
-          <a:p>
-            <a:r>
-              <a:rPr lang="en-US"/>
-              <a:t>De </a:t>
-            </a:r>
-            <a:r>
-              <a:rPr lang="en-US" err="1"/>
-              <a:t>îmbunătățit</a:t>
-            </a:r>
-            <a:r>
-              <a:rPr lang="en-US"/>
-              <a:t> &amp; </a:t>
-            </a:r>
-            <a:r>
-              <a:rPr lang="en-US" err="1"/>
-              <a:t>înțeles</a:t>
-            </a:r>
-            <a:r>
-              <a:rPr lang="en-US"/>
-              <a:t> </a:t>
-            </a:r>
-            <a:r>
-              <a:rPr lang="en-US" err="1"/>
-              <a:t>mai</a:t>
-            </a:r>
-            <a:r>
-              <a:rPr lang="en-US"/>
-              <a:t> bine</a:t>
-            </a:r>
-            <a:endParaRPr lang="ro-RO"/>
-          </a:p>
-        </p:txBody>
-      </p:sp>
-      <p:sp>
-        <p:nvSpPr>
-          <p:cNvPr id="35" name="Content Placeholder 34">
-            <a:extLst>
-              <a:ext uri="{FF2B5EF4-FFF2-40B4-BE49-F238E27FC236}">
-                <a16:creationId xmlns:a16="http://schemas.microsoft.com/office/drawing/2014/main" id="{4E9A764F-6B65-050E-E561-82F77339D164}"/>
-              </a:ext>
-            </a:extLst>
-          </p:cNvPr>
-          <p:cNvSpPr>
-            <a:spLocks noGrp="1"/>
-          </p:cNvSpPr>
-          <p:nvPr>
-            <p:ph sz="half" idx="14"/>
-          </p:nvPr>
-        </p:nvSpPr>
-        <p:spPr>
-          <a:xfrm>
-            <a:off x="6792598" y="2763086"/>
-            <a:ext cx="4217165" cy="2092222"/>
-          </a:xfrm>
-        </p:spPr>
-        <p:txBody>
-          <a:bodyPr vert="horz" lIns="91440" tIns="0" rIns="91440" bIns="45720" rtlCol="0" anchor="t">
-            <a:normAutofit/>
-          </a:bodyPr>
-          <a:lstStyle/>
-          <a:p>
-            <a:r>
-              <a:rPr lang="en-US" err="1">
-                <a:latin typeface="Calibri"/>
-                <a:cs typeface="Calibri"/>
-              </a:rPr>
-              <a:t>Tehnici</a:t>
-            </a:r>
-            <a:r>
-              <a:rPr lang="en-US" dirty="0">
-                <a:latin typeface="Calibri"/>
-                <a:cs typeface="Calibri"/>
-              </a:rPr>
-              <a:t> de pipeline </a:t>
-            </a:r>
-            <a:r>
-              <a:rPr lang="en-US" err="1">
-                <a:latin typeface="Calibri"/>
-                <a:cs typeface="Calibri"/>
-              </a:rPr>
-              <a:t>multiciclu</a:t>
-            </a:r>
-            <a:endParaRPr lang="en-US">
-              <a:latin typeface="Calibri"/>
-              <a:cs typeface="Calibri"/>
-            </a:endParaRPr>
-          </a:p>
-          <a:p>
-            <a:r>
-              <a:rPr lang="en-US" err="1">
-                <a:latin typeface="Calibri"/>
-                <a:cs typeface="Calibri"/>
-              </a:rPr>
-              <a:t>Eficientizarea</a:t>
-            </a:r>
-            <a:r>
-              <a:rPr lang="en-US" dirty="0">
-                <a:latin typeface="Calibri"/>
-                <a:cs typeface="Calibri"/>
-              </a:rPr>
-              <a:t> </a:t>
-            </a:r>
-            <a:r>
-              <a:rPr lang="en-US" err="1">
-                <a:latin typeface="Calibri"/>
-                <a:cs typeface="Calibri"/>
-              </a:rPr>
-              <a:t>implementării</a:t>
-            </a:r>
-            <a:r>
-              <a:rPr lang="en-US" dirty="0">
-                <a:latin typeface="Calibri"/>
-                <a:cs typeface="Calibri"/>
-              </a:rPr>
-              <a:t> pe </a:t>
-            </a:r>
-            <a:r>
-              <a:rPr lang="en-US" err="1">
-                <a:latin typeface="Calibri"/>
-                <a:cs typeface="Calibri"/>
-              </a:rPr>
-              <a:t>placă</a:t>
-            </a:r>
-            <a:endParaRPr lang="en-US">
-              <a:latin typeface="Calibri"/>
-              <a:cs typeface="Calibri"/>
-            </a:endParaRPr>
-          </a:p>
-          <a:p>
-            <a:r>
-              <a:rPr lang="en-US" err="1">
-                <a:latin typeface="Calibri"/>
-                <a:cs typeface="Calibri"/>
-              </a:rPr>
-              <a:t>Comentarea</a:t>
-            </a:r>
-            <a:r>
-              <a:rPr lang="en-US" dirty="0">
-                <a:latin typeface="Calibri"/>
-                <a:cs typeface="Calibri"/>
-              </a:rPr>
-              <a:t> </a:t>
-            </a:r>
-            <a:r>
-              <a:rPr lang="en-US" err="1">
-                <a:latin typeface="Calibri"/>
-                <a:cs typeface="Calibri"/>
-              </a:rPr>
-              <a:t>codului</a:t>
-            </a:r>
-            <a:r>
-              <a:rPr lang="en-US" dirty="0">
-                <a:latin typeface="Calibri"/>
-                <a:cs typeface="Calibri"/>
-              </a:rPr>
-              <a:t> </a:t>
-            </a:r>
-            <a:r>
-              <a:rPr lang="en-US" err="1">
-                <a:latin typeface="Calibri"/>
-                <a:cs typeface="Calibri"/>
-              </a:rPr>
-              <a:t>scris</a:t>
-            </a:r>
-            <a:endParaRPr lang="en-US">
-              <a:latin typeface="Calibri"/>
-              <a:cs typeface="Calibri"/>
-            </a:endParaRPr>
-          </a:p>
-          <a:p>
-            <a:r>
-              <a:rPr lang="en-US" err="1">
-                <a:latin typeface="Calibri"/>
-                <a:cs typeface="Calibri"/>
-              </a:rPr>
-              <a:t>Integrarea</a:t>
-            </a:r>
-            <a:r>
-              <a:rPr lang="en-US" dirty="0">
-                <a:latin typeface="Calibri"/>
-                <a:cs typeface="Calibri"/>
-              </a:rPr>
-              <a:t> </a:t>
-            </a:r>
-            <a:r>
-              <a:rPr lang="en-US" err="1">
-                <a:latin typeface="Calibri"/>
-                <a:cs typeface="Calibri"/>
-              </a:rPr>
-              <a:t>rețelelor</a:t>
-            </a:r>
-            <a:r>
-              <a:rPr lang="en-US" dirty="0">
-                <a:latin typeface="Calibri"/>
-                <a:cs typeface="Calibri"/>
-              </a:rPr>
-              <a:t> </a:t>
-            </a:r>
-            <a:r>
-              <a:rPr lang="en-US" err="1">
-                <a:latin typeface="Calibri"/>
-                <a:cs typeface="Calibri"/>
-              </a:rPr>
-              <a:t>neuronale</a:t>
-            </a:r>
-            <a:endParaRPr lang="en-US" dirty="0">
-              <a:latin typeface="Calibri"/>
-              <a:cs typeface="Calibri"/>
-            </a:endParaRPr>
-          </a:p>
-        </p:txBody>
-      </p:sp>
-      <p:sp>
-        <p:nvSpPr>
-          <p:cNvPr id="9" name="Slide Number Placeholder 8">
-            <a:extLst>
-              <a:ext uri="{FF2B5EF4-FFF2-40B4-BE49-F238E27FC236}">
-                <a16:creationId xmlns:a16="http://schemas.microsoft.com/office/drawing/2014/main" id="{C396FFDC-ADE8-4009-A466-A81787258E88}"/>
-              </a:ext>
-            </a:extLst>
-          </p:cNvPr>
-          <p:cNvSpPr>
-            <a:spLocks noGrp="1"/>
-          </p:cNvSpPr>
-          <p:nvPr>
-            <p:ph type="sldNum" sz="quarter" idx="12"/>
-          </p:nvPr>
-        </p:nvSpPr>
-        <p:spPr>
-          <a:xfrm>
-            <a:off x="8610600" y="6356350"/>
-            <a:ext cx="2743200" cy="365125"/>
-          </a:xfrm>
-        </p:spPr>
-        <p:txBody>
-          <a:bodyPr/>
-          <a:lstStyle/>
-          <a:p>
-            <a:fld id="{A49DFD55-3C28-40EF-9E31-A92D2E4017FF}" type="slidenum">
-              <a:rPr lang="en-US" smtClean="0"/>
-              <a:pPr/>
-              <a:t>13</a:t>
-            </a:fld>
-            <a:endParaRPr lang="en-US" dirty="0"/>
-          </a:p>
-        </p:txBody>
-      </p:sp>
+      </p:pic>
     </p:spTree>
     <p:extLst>
       <p:ext uri="{BB962C8B-B14F-4D97-AF65-F5344CB8AC3E}">
@@ -9329,6 +8890,709 @@
       </p:grpSpPr>
       <p:sp>
         <p:nvSpPr>
+          <p:cNvPr id="17" name="Title 1">
+            <a:extLst>
+              <a:ext uri="{FF2B5EF4-FFF2-40B4-BE49-F238E27FC236}">
+                <a16:creationId xmlns:a16="http://schemas.microsoft.com/office/drawing/2014/main" id="{09140014-73D5-419B-8867-972BB18D52D4}"/>
+              </a:ext>
+            </a:extLst>
+          </p:cNvPr>
+          <p:cNvSpPr>
+            <a:spLocks noGrp="1"/>
+          </p:cNvSpPr>
+          <p:nvPr>
+            <p:ph type="title"/>
+          </p:nvPr>
+        </p:nvSpPr>
+        <p:spPr>
+          <a:xfrm>
+            <a:off x="838200" y="337192"/>
+            <a:ext cx="5655197" cy="1997867"/>
+          </a:xfrm>
+        </p:spPr>
+        <p:txBody>
+          <a:bodyPr anchor="b"/>
+          <a:lstStyle/>
+          <a:p>
+            <a:r>
+              <a:rPr lang="en-US" err="1"/>
+              <a:t>Concluzii</a:t>
+            </a:r>
+            <a:r>
+              <a:rPr lang="en-US"/>
+              <a:t> &amp; viitor</a:t>
+            </a:r>
+            <a:endParaRPr lang="ro-RO"/>
+          </a:p>
+        </p:txBody>
+      </p:sp>
+      <p:sp>
+        <p:nvSpPr>
+          <p:cNvPr id="6" name="Text Placeholder 5">
+            <a:extLst>
+              <a:ext uri="{FF2B5EF4-FFF2-40B4-BE49-F238E27FC236}">
+                <a16:creationId xmlns:a16="http://schemas.microsoft.com/office/drawing/2014/main" id="{D2E1CF79-4FDC-8CAF-CC16-E309A2C49758}"/>
+              </a:ext>
+            </a:extLst>
+          </p:cNvPr>
+          <p:cNvSpPr>
+            <a:spLocks noGrp="1"/>
+          </p:cNvSpPr>
+          <p:nvPr>
+            <p:ph type="body" idx="1"/>
+          </p:nvPr>
+        </p:nvSpPr>
+        <p:spPr>
+          <a:xfrm>
+            <a:off x="852055" y="2310322"/>
+            <a:ext cx="5733772" cy="448990"/>
+          </a:xfrm>
+        </p:spPr>
+        <p:txBody>
+          <a:bodyPr/>
+          <a:lstStyle/>
+          <a:p>
+            <a:r>
+              <a:rPr lang="en-US">
+                <a:latin typeface="Calibri"/>
+                <a:cs typeface="Calibri"/>
+              </a:rPr>
+              <a:t>Afișaj mai dinamic și input mai interactiv</a:t>
+            </a:r>
+            <a:endParaRPr lang="ro-RO">
+              <a:latin typeface="Calibri"/>
+              <a:cs typeface="Calibri"/>
+            </a:endParaRPr>
+          </a:p>
+        </p:txBody>
+      </p:sp>
+      <p:sp>
+        <p:nvSpPr>
+          <p:cNvPr id="20" name="Content Placeholder 3">
+            <a:extLst>
+              <a:ext uri="{FF2B5EF4-FFF2-40B4-BE49-F238E27FC236}">
+                <a16:creationId xmlns:a16="http://schemas.microsoft.com/office/drawing/2014/main" id="{33D8731E-4977-402E-8BFD-895B4D0544CC}"/>
+              </a:ext>
+            </a:extLst>
+          </p:cNvPr>
+          <p:cNvSpPr>
+            <a:spLocks noGrp="1"/>
+          </p:cNvSpPr>
+          <p:nvPr>
+            <p:ph sz="half" idx="2"/>
+          </p:nvPr>
+        </p:nvSpPr>
+        <p:spPr>
+          <a:xfrm>
+            <a:off x="852054" y="2752384"/>
+            <a:ext cx="5733773" cy="3995623"/>
+          </a:xfrm>
+        </p:spPr>
+        <p:txBody>
+          <a:bodyPr vert="horz" lIns="91440" tIns="45720" rIns="91440" bIns="45720" rtlCol="0" anchor="t">
+            <a:noAutofit/>
+          </a:bodyPr>
+          <a:lstStyle/>
+          <a:p>
+            <a:r>
+              <a:rPr lang="en-US" err="1"/>
+              <a:t>Implementarea</a:t>
+            </a:r>
+            <a:r>
+              <a:rPr lang="en-US" dirty="0"/>
+              <a:t> </a:t>
+            </a:r>
+            <a:r>
+              <a:rPr lang="en-US" err="1"/>
+              <a:t>propriei</a:t>
+            </a:r>
+            <a:r>
+              <a:rPr lang="en-US" dirty="0"/>
+              <a:t> </a:t>
+            </a:r>
+            <a:r>
+              <a:rPr lang="en-US" err="1"/>
+              <a:t>specificații</a:t>
+            </a:r>
+            <a:r>
+              <a:rPr lang="en-US" dirty="0"/>
+              <a:t> </a:t>
+            </a:r>
+            <a:r>
+              <a:rPr lang="en-US" err="1"/>
+              <a:t>pentru</a:t>
+            </a:r>
+            <a:r>
+              <a:rPr lang="en-US" dirty="0"/>
+              <a:t> 7SD (</a:t>
+            </a:r>
+            <a:r>
+              <a:rPr lang="en-US" err="1"/>
+              <a:t>alfabet</a:t>
+            </a:r>
+            <a:r>
+              <a:rPr lang="en-US" dirty="0"/>
+              <a:t> &amp; </a:t>
+            </a:r>
+            <a:r>
+              <a:rPr lang="en-US" err="1"/>
+              <a:t>simboluri</a:t>
+            </a:r>
+            <a:r>
+              <a:rPr lang="en-US" dirty="0"/>
+              <a:t>)</a:t>
+            </a:r>
+          </a:p>
+          <a:p>
+            <a:pPr lvl="1"/>
+            <a:r>
+              <a:rPr lang="en-US" dirty="0"/>
+              <a:t>4 </a:t>
+            </a:r>
+            <a:r>
+              <a:rPr lang="en-US" dirty="0" err="1"/>
+              <a:t>biți</a:t>
+            </a:r>
+            <a:r>
+              <a:rPr lang="en-US" dirty="0"/>
+              <a:t> </a:t>
+            </a:r>
+            <a:r>
+              <a:rPr lang="en-US" dirty="0" err="1"/>
+              <a:t>pentru</a:t>
+            </a:r>
+            <a:r>
+              <a:rPr lang="en-US" dirty="0"/>
+              <a:t> </a:t>
+            </a:r>
+            <a:r>
+              <a:rPr lang="en-US" dirty="0" err="1"/>
+              <a:t>reprezentarea</a:t>
+            </a:r>
+            <a:r>
+              <a:rPr lang="en-US" dirty="0"/>
+              <a:t> </a:t>
+            </a:r>
+            <a:r>
+              <a:rPr lang="en-US" dirty="0" err="1"/>
+              <a:t>cifrelor</a:t>
+            </a:r>
+            <a:r>
+              <a:rPr lang="en-US" dirty="0"/>
+              <a:t>, </a:t>
+            </a:r>
+            <a:r>
+              <a:rPr lang="en-US" dirty="0" err="1"/>
+              <a:t>literelor</a:t>
+            </a:r>
+            <a:r>
+              <a:rPr lang="en-US" dirty="0"/>
+              <a:t> </a:t>
+            </a:r>
+            <a:r>
+              <a:rPr lang="en-US" dirty="0" err="1"/>
+              <a:t>și</a:t>
+            </a:r>
+            <a:r>
+              <a:rPr lang="en-US" dirty="0"/>
+              <a:t> </a:t>
+            </a:r>
+            <a:r>
+              <a:rPr lang="en-US" dirty="0" err="1"/>
+              <a:t>simbolurilor</a:t>
+            </a:r>
+            <a:r>
+              <a:rPr lang="en-US" dirty="0"/>
+              <a:t> </a:t>
+            </a:r>
+            <a:r>
+              <a:rPr lang="en-US" dirty="0" err="1"/>
+              <a:t>speciale</a:t>
+            </a:r>
+            <a:r>
+              <a:rPr lang="en-US" dirty="0"/>
+              <a:t> + 1 bit </a:t>
+            </a:r>
+            <a:r>
+              <a:rPr lang="en-US" dirty="0" err="1"/>
+              <a:t>dedicat</a:t>
+            </a:r>
+            <a:r>
+              <a:rPr lang="en-US" dirty="0"/>
+              <a:t> </a:t>
+            </a:r>
+            <a:r>
+              <a:rPr lang="en-US" dirty="0" err="1"/>
+              <a:t>pentru</a:t>
+            </a:r>
+            <a:r>
+              <a:rPr lang="en-US" dirty="0"/>
+              <a:t> </a:t>
+            </a:r>
+            <a:r>
+              <a:rPr lang="en-US" dirty="0" err="1"/>
+              <a:t>punct</a:t>
+            </a:r>
+            <a:endParaRPr lang="en-US" dirty="0"/>
+          </a:p>
+          <a:p>
+            <a:r>
+              <a:rPr lang="en-US" dirty="0" err="1"/>
+              <a:t>Afișarea</a:t>
+            </a:r>
+            <a:r>
+              <a:rPr lang="en-US" dirty="0"/>
+              <a:t> </a:t>
+            </a:r>
+            <a:r>
+              <a:rPr lang="en-US" dirty="0" err="1"/>
+              <a:t>cuvintelor</a:t>
+            </a:r>
+            <a:r>
+              <a:rPr lang="en-US" dirty="0"/>
+              <a:t> </a:t>
+            </a:r>
+            <a:r>
+              <a:rPr lang="en-US" dirty="0" err="1"/>
+              <a:t>folosind</a:t>
+            </a:r>
+            <a:r>
+              <a:rPr lang="en-US" dirty="0"/>
+              <a:t> </a:t>
+            </a:r>
+            <a:r>
+              <a:rPr lang="en-US" dirty="0" err="1"/>
+              <a:t>instrucțiuni</a:t>
+            </a:r>
+            <a:r>
+              <a:rPr lang="en-US" dirty="0"/>
+              <a:t> din RAM</a:t>
+            </a:r>
+          </a:p>
+          <a:p>
+            <a:pPr lvl="1"/>
+            <a:r>
+              <a:rPr lang="en-US" dirty="0" err="1"/>
+              <a:t>Funcție</a:t>
+            </a:r>
+            <a:r>
+              <a:rPr lang="en-US" dirty="0"/>
+              <a:t> </a:t>
+            </a:r>
+            <a:r>
+              <a:rPr lang="en-US" dirty="0" err="1"/>
+              <a:t>în</a:t>
+            </a:r>
+            <a:r>
+              <a:rPr lang="en-US" dirty="0"/>
+              <a:t> ROM </a:t>
+            </a:r>
+            <a:r>
+              <a:rPr lang="en-US" dirty="0" err="1"/>
+              <a:t>pentru</a:t>
+            </a:r>
+            <a:r>
+              <a:rPr lang="en-US" dirty="0"/>
+              <a:t> pipeline-</a:t>
+            </a:r>
+            <a:r>
+              <a:rPr lang="en-US" dirty="0" err="1"/>
+              <a:t>ul</a:t>
+            </a:r>
+            <a:r>
+              <a:rPr lang="en-US" dirty="0"/>
+              <a:t> de </a:t>
+            </a:r>
+            <a:r>
+              <a:rPr lang="en-US" dirty="0" err="1"/>
+              <a:t>citire</a:t>
+            </a:r>
+            <a:r>
+              <a:rPr lang="en-US" dirty="0"/>
+              <a:t> </a:t>
+            </a:r>
+            <a:r>
+              <a:rPr lang="en-US" dirty="0" err="1"/>
+              <a:t>și</a:t>
+            </a:r>
+            <a:r>
+              <a:rPr lang="en-US" dirty="0"/>
+              <a:t> </a:t>
+            </a:r>
+            <a:r>
+              <a:rPr lang="en-US" dirty="0" err="1"/>
+              <a:t>afișare</a:t>
+            </a:r>
+            <a:r>
+              <a:rPr lang="en-US" dirty="0"/>
+              <a:t> a </a:t>
+            </a:r>
+            <a:r>
+              <a:rPr lang="en-US" dirty="0" err="1"/>
+              <a:t>cuvintelor</a:t>
+            </a:r>
+          </a:p>
+          <a:p>
+            <a:pPr lvl="1"/>
+            <a:r>
+              <a:rPr lang="en-US" dirty="0" err="1"/>
+              <a:t>Citirea</a:t>
+            </a:r>
+            <a:r>
+              <a:rPr lang="en-US" dirty="0"/>
+              <a:t> </a:t>
+            </a:r>
+            <a:r>
+              <a:rPr lang="en-US" dirty="0" err="1"/>
+              <a:t>cuvintelor</a:t>
+            </a:r>
+            <a:r>
+              <a:rPr lang="en-US" dirty="0"/>
+              <a:t> din RAM, pe maxim 16x4 </a:t>
+            </a:r>
+            <a:r>
+              <a:rPr lang="en-US" dirty="0" err="1"/>
+              <a:t>biți</a:t>
+            </a:r>
+            <a:r>
+              <a:rPr lang="en-US" dirty="0"/>
+              <a:t>, cu </a:t>
+            </a:r>
+            <a:r>
+              <a:rPr lang="en-US" dirty="0" err="1"/>
+              <a:t>marcaj</a:t>
+            </a:r>
+            <a:r>
+              <a:rPr lang="en-US" dirty="0"/>
+              <a:t> de </a:t>
+            </a:r>
+            <a:r>
+              <a:rPr lang="en-US" dirty="0" err="1"/>
+              <a:t>încheiere</a:t>
+            </a:r>
+          </a:p>
+          <a:p>
+            <a:r>
+              <a:rPr lang="en-US" err="1"/>
+              <a:t>Întreruperi</a:t>
+            </a:r>
+            <a:endParaRPr lang="en-US" dirty="0" err="1"/>
+          </a:p>
+          <a:p>
+            <a:r>
+              <a:rPr lang="en-US" dirty="0"/>
+              <a:t>Output: DisplayPort/HDMI?</a:t>
+            </a:r>
+          </a:p>
+          <a:p>
+            <a:endParaRPr lang="en-US" dirty="0"/>
+          </a:p>
+        </p:txBody>
+      </p:sp>
+      <p:sp>
+        <p:nvSpPr>
+          <p:cNvPr id="34" name="Text Placeholder 33">
+            <a:extLst>
+              <a:ext uri="{FF2B5EF4-FFF2-40B4-BE49-F238E27FC236}">
+                <a16:creationId xmlns:a16="http://schemas.microsoft.com/office/drawing/2014/main" id="{AE07A905-8B37-D13F-25D3-1D3BCDB86B0B}"/>
+              </a:ext>
+            </a:extLst>
+          </p:cNvPr>
+          <p:cNvSpPr>
+            <a:spLocks noGrp="1"/>
+          </p:cNvSpPr>
+          <p:nvPr>
+            <p:ph type="body" sz="quarter" idx="3"/>
+          </p:nvPr>
+        </p:nvSpPr>
+        <p:spPr>
+          <a:xfrm>
+            <a:off x="6792599" y="2317250"/>
+            <a:ext cx="3943627" cy="448989"/>
+          </a:xfrm>
+        </p:spPr>
+        <p:txBody>
+          <a:bodyPr/>
+          <a:lstStyle/>
+          <a:p>
+            <a:r>
+              <a:rPr lang="en-US"/>
+              <a:t>De </a:t>
+            </a:r>
+            <a:r>
+              <a:rPr lang="en-US" err="1"/>
+              <a:t>îmbunătățit</a:t>
+            </a:r>
+            <a:r>
+              <a:rPr lang="en-US"/>
+              <a:t> &amp; </a:t>
+            </a:r>
+            <a:r>
+              <a:rPr lang="en-US" err="1"/>
+              <a:t>înțeles</a:t>
+            </a:r>
+            <a:r>
+              <a:rPr lang="en-US"/>
+              <a:t> </a:t>
+            </a:r>
+            <a:r>
+              <a:rPr lang="en-US" err="1"/>
+              <a:t>mai</a:t>
+            </a:r>
+            <a:r>
+              <a:rPr lang="en-US"/>
+              <a:t> bine</a:t>
+            </a:r>
+            <a:endParaRPr lang="ro-RO"/>
+          </a:p>
+        </p:txBody>
+      </p:sp>
+      <p:sp>
+        <p:nvSpPr>
+          <p:cNvPr id="35" name="Content Placeholder 34">
+            <a:extLst>
+              <a:ext uri="{FF2B5EF4-FFF2-40B4-BE49-F238E27FC236}">
+                <a16:creationId xmlns:a16="http://schemas.microsoft.com/office/drawing/2014/main" id="{4E9A764F-6B65-050E-E561-82F77339D164}"/>
+              </a:ext>
+            </a:extLst>
+          </p:cNvPr>
+          <p:cNvSpPr>
+            <a:spLocks noGrp="1"/>
+          </p:cNvSpPr>
+          <p:nvPr>
+            <p:ph sz="half" idx="14"/>
+          </p:nvPr>
+        </p:nvSpPr>
+        <p:spPr>
+          <a:xfrm>
+            <a:off x="6792598" y="2763086"/>
+            <a:ext cx="4217165" cy="2092222"/>
+          </a:xfrm>
+        </p:spPr>
+        <p:txBody>
+          <a:bodyPr vert="horz" lIns="91440" tIns="0" rIns="91440" bIns="45720" rtlCol="0" anchor="t">
+            <a:normAutofit/>
+          </a:bodyPr>
+          <a:lstStyle/>
+          <a:p>
+            <a:r>
+              <a:rPr lang="en-US" err="1">
+                <a:latin typeface="Calibri"/>
+                <a:cs typeface="Calibri"/>
+              </a:rPr>
+              <a:t>Tehnici</a:t>
+            </a:r>
+            <a:r>
+              <a:rPr lang="en-US" dirty="0">
+                <a:latin typeface="Calibri"/>
+                <a:cs typeface="Calibri"/>
+              </a:rPr>
+              <a:t> de pipeline </a:t>
+            </a:r>
+            <a:r>
+              <a:rPr lang="en-US" err="1">
+                <a:latin typeface="Calibri"/>
+                <a:cs typeface="Calibri"/>
+              </a:rPr>
+              <a:t>multiciclu</a:t>
+            </a:r>
+            <a:endParaRPr lang="en-US">
+              <a:latin typeface="Calibri"/>
+              <a:cs typeface="Calibri"/>
+            </a:endParaRPr>
+          </a:p>
+          <a:p>
+            <a:r>
+              <a:rPr lang="en-US" err="1">
+                <a:latin typeface="Calibri"/>
+                <a:cs typeface="Calibri"/>
+              </a:rPr>
+              <a:t>Eficientizarea</a:t>
+            </a:r>
+            <a:r>
+              <a:rPr lang="en-US" dirty="0">
+                <a:latin typeface="Calibri"/>
+                <a:cs typeface="Calibri"/>
+              </a:rPr>
+              <a:t> </a:t>
+            </a:r>
+            <a:r>
+              <a:rPr lang="en-US" err="1">
+                <a:latin typeface="Calibri"/>
+                <a:cs typeface="Calibri"/>
+              </a:rPr>
+              <a:t>implementării</a:t>
+            </a:r>
+            <a:r>
+              <a:rPr lang="en-US" dirty="0">
+                <a:latin typeface="Calibri"/>
+                <a:cs typeface="Calibri"/>
+              </a:rPr>
+              <a:t> pe </a:t>
+            </a:r>
+            <a:r>
+              <a:rPr lang="en-US" err="1">
+                <a:latin typeface="Calibri"/>
+                <a:cs typeface="Calibri"/>
+              </a:rPr>
+              <a:t>placă</a:t>
+            </a:r>
+            <a:endParaRPr lang="en-US">
+              <a:latin typeface="Calibri"/>
+              <a:cs typeface="Calibri"/>
+            </a:endParaRPr>
+          </a:p>
+          <a:p>
+            <a:r>
+              <a:rPr lang="en-US" err="1">
+                <a:latin typeface="Calibri"/>
+                <a:cs typeface="Calibri"/>
+              </a:rPr>
+              <a:t>Comentarea</a:t>
+            </a:r>
+            <a:r>
+              <a:rPr lang="en-US" dirty="0">
+                <a:latin typeface="Calibri"/>
+                <a:cs typeface="Calibri"/>
+              </a:rPr>
+              <a:t> </a:t>
+            </a:r>
+            <a:r>
+              <a:rPr lang="en-US" err="1">
+                <a:latin typeface="Calibri"/>
+                <a:cs typeface="Calibri"/>
+              </a:rPr>
+              <a:t>codului</a:t>
+            </a:r>
+            <a:r>
+              <a:rPr lang="en-US" dirty="0">
+                <a:latin typeface="Calibri"/>
+                <a:cs typeface="Calibri"/>
+              </a:rPr>
+              <a:t> </a:t>
+            </a:r>
+            <a:r>
+              <a:rPr lang="en-US" err="1">
+                <a:latin typeface="Calibri"/>
+                <a:cs typeface="Calibri"/>
+              </a:rPr>
+              <a:t>scris</a:t>
+            </a:r>
+            <a:endParaRPr lang="en-US">
+              <a:latin typeface="Calibri"/>
+              <a:cs typeface="Calibri"/>
+            </a:endParaRPr>
+          </a:p>
+          <a:p>
+            <a:r>
+              <a:rPr lang="en-US" err="1">
+                <a:latin typeface="Calibri"/>
+                <a:cs typeface="Calibri"/>
+              </a:rPr>
+              <a:t>Integrarea</a:t>
+            </a:r>
+            <a:r>
+              <a:rPr lang="en-US" dirty="0">
+                <a:latin typeface="Calibri"/>
+                <a:cs typeface="Calibri"/>
+              </a:rPr>
+              <a:t> </a:t>
+            </a:r>
+            <a:r>
+              <a:rPr lang="en-US" err="1">
+                <a:latin typeface="Calibri"/>
+                <a:cs typeface="Calibri"/>
+              </a:rPr>
+              <a:t>rețelelor</a:t>
+            </a:r>
+            <a:r>
+              <a:rPr lang="en-US" dirty="0">
+                <a:latin typeface="Calibri"/>
+                <a:cs typeface="Calibri"/>
+              </a:rPr>
+              <a:t> </a:t>
+            </a:r>
+            <a:r>
+              <a:rPr lang="en-US" err="1">
+                <a:latin typeface="Calibri"/>
+                <a:cs typeface="Calibri"/>
+              </a:rPr>
+              <a:t>neuronale</a:t>
+            </a:r>
+            <a:endParaRPr lang="en-US" dirty="0">
+              <a:latin typeface="Calibri"/>
+              <a:cs typeface="Calibri"/>
+            </a:endParaRPr>
+          </a:p>
+        </p:txBody>
+      </p:sp>
+      <p:sp>
+        <p:nvSpPr>
+          <p:cNvPr id="9" name="Slide Number Placeholder 8">
+            <a:extLst>
+              <a:ext uri="{FF2B5EF4-FFF2-40B4-BE49-F238E27FC236}">
+                <a16:creationId xmlns:a16="http://schemas.microsoft.com/office/drawing/2014/main" id="{C396FFDC-ADE8-4009-A466-A81787258E88}"/>
+              </a:ext>
+            </a:extLst>
+          </p:cNvPr>
+          <p:cNvSpPr>
+            <a:spLocks noGrp="1"/>
+          </p:cNvSpPr>
+          <p:nvPr>
+            <p:ph type="sldNum" sz="quarter" idx="12"/>
+          </p:nvPr>
+        </p:nvSpPr>
+        <p:spPr>
+          <a:xfrm>
+            <a:off x="8610600" y="6356350"/>
+            <a:ext cx="2743200" cy="365125"/>
+          </a:xfrm>
+        </p:spPr>
+        <p:txBody>
+          <a:bodyPr/>
+          <a:lstStyle/>
+          <a:p>
+            <a:fld id="{A49DFD55-3C28-40EF-9E31-A92D2E4017FF}" type="slidenum">
+              <a:rPr lang="en-US" smtClean="0"/>
+              <a:pPr/>
+              <a:t>14</a:t>
+            </a:fld>
+            <a:endParaRPr lang="en-US" dirty="0"/>
+          </a:p>
+        </p:txBody>
+      </p:sp>
+    </p:spTree>
+    <p:extLst>
+      <p:ext uri="{BB962C8B-B14F-4D97-AF65-F5344CB8AC3E}">
+        <p14:creationId xmlns:p14="http://schemas.microsoft.com/office/powerpoint/2010/main" val="3808108210"/>
+      </p:ext>
+    </p:extLst>
+  </p:cSld>
+  <p:clrMapOvr>
+    <a:masterClrMapping/>
+  </p:clrMapOvr>
+</p:sld>
+</file>
+
+<file path=ppt/slides/slide15.xml><?xml version="1.0" encoding="utf-8"?>
+<p:sld xmlns:a="http://schemas.openxmlformats.org/drawingml/2006/main" xmlns:r="http://schemas.openxmlformats.org/officeDocument/2006/relationships" xmlns:p="http://schemas.openxmlformats.org/presentationml/2006/main">
+  <p:cSld>
+    <p:spTree>
+      <p:nvGrpSpPr>
+        <p:cNvPr id="1" name=""/>
+        <p:cNvGrpSpPr/>
+        <p:nvPr/>
+      </p:nvGrpSpPr>
+      <p:grpSpPr>
+        <a:xfrm>
+          <a:off x="0" y="0"/>
+          <a:ext cx="0" cy="0"/>
+          <a:chOff x="0" y="0"/>
+          <a:chExt cx="0" cy="0"/>
+        </a:xfrm>
+      </p:grpSpPr>
+      <p:sp>
+        <p:nvSpPr>
           <p:cNvPr id="2" name="Title 1">
             <a:extLst>
               <a:ext uri="{FF2B5EF4-FFF2-40B4-BE49-F238E27FC236}">
@@ -9389,7 +9653,7 @@
             <a:fld id="{A49DFD55-3C28-40EF-9E31-A92D2E4017FF}" type="slidenum">
               <a:rPr lang="en-US" smtClean="0"/>
               <a:pPr/>
-              <a:t>14</a:t>
+              <a:t>15</a:t>
             </a:fld>
             <a:endParaRPr lang="en-US" dirty="0"/>
           </a:p>
@@ -12964,6 +13228,35 @@
 </file>
 
 <file path=customXml/item1.xml><?xml version="1.0" encoding="utf-8"?>
+<?mso-contentType ?>
+<FormTemplates xmlns="http://schemas.microsoft.com/sharepoint/v3/contenttype/forms">
+  <Display>DocumentLibraryForm</Display>
+  <Edit>DocumentLibraryForm</Edit>
+  <New>DocumentLibraryForm</New>
+</FormTemplates>
+</file>
+
+<file path=customXml/item2.xml><?xml version="1.0" encoding="utf-8"?>
+<p:properties xmlns:p="http://schemas.microsoft.com/office/2006/metadata/properties" xmlns:xsi="http://www.w3.org/2001/XMLSchema-instance" xmlns:pc="http://schemas.microsoft.com/office/infopath/2007/PartnerControls">
+  <documentManagement>
+    <_ip_UnifiedCompliancePolicyUIAction xmlns="http://schemas.microsoft.com/sharepoint/v3" xsi:nil="true"/>
+    <Image xmlns="71af3243-3dd4-4a8d-8c0d-dd76da1f02a5">
+      <Url xsi:nil="true"/>
+      <Description xsi:nil="true"/>
+    </Image>
+    <Status xmlns="71af3243-3dd4-4a8d-8c0d-dd76da1f02a5">Not started</Status>
+    <Background xmlns="71af3243-3dd4-4a8d-8c0d-dd76da1f02a5">false</Background>
+    <_ip_UnifiedCompliancePolicyProperties xmlns="http://schemas.microsoft.com/sharepoint/v3" xsi:nil="true"/>
+    <ImageTagsTaxHTField xmlns="71af3243-3dd4-4a8d-8c0d-dd76da1f02a5">
+      <Terms xmlns="http://schemas.microsoft.com/office/infopath/2007/PartnerControls"/>
+    </ImageTagsTaxHTField>
+    <TaxCatchAll xmlns="230e9df3-be65-4c73-a93b-d1236ebd677e" xsi:nil="true"/>
+    <MediaServiceKeyPoints xmlns="71af3243-3dd4-4a8d-8c0d-dd76da1f02a5" xsi:nil="true"/>
+  </documentManagement>
+</p:properties>
+</file>
+
+<file path=customXml/item3.xml><?xml version="1.0" encoding="utf-8"?>
 <ct:contentTypeSchema xmlns:ct="http://schemas.microsoft.com/office/2006/metadata/contentType" xmlns:ma="http://schemas.microsoft.com/office/2006/metadata/properties/metaAttributes" ct:_="" ma:_="" ma:contentTypeName="Document" ma:contentTypeID="0x01010079F111ED35F8CC479449609E8A0923A6" ma:contentTypeVersion="28" ma:contentTypeDescription="Create a new document." ma:contentTypeScope="" ma:versionID="60f5a4f2d2b0abadcf532d48ebf9cb71">
   <xsd:schema xmlns:xsd="http://www.w3.org/2001/XMLSchema" xmlns:xs="http://www.w3.org/2001/XMLSchema" xmlns:p="http://schemas.microsoft.com/office/2006/metadata/properties" xmlns:ns1="http://schemas.microsoft.com/sharepoint/v3" xmlns:ns2="71af3243-3dd4-4a8d-8c0d-dd76da1f02a5" xmlns:ns3="16c05727-aa75-4e4a-9b5f-8a80a1165891" xmlns:ns4="230e9df3-be65-4c73-a93b-d1236ebd677e" targetNamespace="http://schemas.microsoft.com/office/2006/metadata/properties" ma:root="true" ma:fieldsID="7dd78129e6a1811f84807ad11c651531" ns1:_="" ns2:_="" ns3:_="" ns4:_="">
     <xsd:import namespace="http://schemas.microsoft.com/sharepoint/v3"/>
@@ -13275,36 +13568,27 @@
 </ct:contentTypeSchema>
 </file>
 
-<file path=customXml/item2.xml><?xml version="1.0" encoding="utf-8"?>
-<p:properties xmlns:p="http://schemas.microsoft.com/office/2006/metadata/properties" xmlns:xsi="http://www.w3.org/2001/XMLSchema-instance" xmlns:pc="http://schemas.microsoft.com/office/infopath/2007/PartnerControls">
-  <documentManagement>
-    <_ip_UnifiedCompliancePolicyUIAction xmlns="http://schemas.microsoft.com/sharepoint/v3" xsi:nil="true"/>
-    <Image xmlns="71af3243-3dd4-4a8d-8c0d-dd76da1f02a5">
-      <Url xsi:nil="true"/>
-      <Description xsi:nil="true"/>
-    </Image>
-    <Status xmlns="71af3243-3dd4-4a8d-8c0d-dd76da1f02a5">Not started</Status>
-    <Background xmlns="71af3243-3dd4-4a8d-8c0d-dd76da1f02a5">false</Background>
-    <_ip_UnifiedCompliancePolicyProperties xmlns="http://schemas.microsoft.com/sharepoint/v3" xsi:nil="true"/>
-    <ImageTagsTaxHTField xmlns="71af3243-3dd4-4a8d-8c0d-dd76da1f02a5">
-      <Terms xmlns="http://schemas.microsoft.com/office/infopath/2007/PartnerControls"/>
-    </ImageTagsTaxHTField>
-    <TaxCatchAll xmlns="230e9df3-be65-4c73-a93b-d1236ebd677e" xsi:nil="true"/>
-    <MediaServiceKeyPoints xmlns="71af3243-3dd4-4a8d-8c0d-dd76da1f02a5" xsi:nil="true"/>
-  </documentManagement>
-</p:properties>
+<file path=customXml/itemProps1.xml><?xml version="1.0" encoding="utf-8"?>
+<ds:datastoreItem xmlns:ds="http://schemas.openxmlformats.org/officeDocument/2006/customXml" ds:itemID="{CABF691C-888B-4061-8A6F-D5CE84A0254B}">
+  <ds:schemaRefs>
+    <ds:schemaRef ds:uri="http://schemas.microsoft.com/sharepoint/v3/contenttype/forms"/>
+  </ds:schemaRefs>
+</ds:datastoreItem>
 </file>
 
-<file path=customXml/item3.xml><?xml version="1.0" encoding="utf-8"?>
-<?mso-contentType ?>
-<FormTemplates xmlns="http://schemas.microsoft.com/sharepoint/v3/contenttype/forms">
-  <Display>DocumentLibraryForm</Display>
-  <Edit>DocumentLibraryForm</Edit>
-  <New>DocumentLibraryForm</New>
-</FormTemplates>
+<file path=customXml/itemProps2.xml><?xml version="1.0" encoding="utf-8"?>
+<ds:datastoreItem xmlns:ds="http://schemas.openxmlformats.org/officeDocument/2006/customXml" ds:itemID="{49168DCE-134F-4610-A6AA-88CEBE8D71D2}">
+  <ds:schemaRefs>
+    <ds:schemaRef ds:uri="http://schemas.microsoft.com/office/2006/metadata/properties"/>
+    <ds:schemaRef ds:uri="http://schemas.microsoft.com/office/infopath/2007/PartnerControls"/>
+    <ds:schemaRef ds:uri="http://schemas.microsoft.com/sharepoint/v3"/>
+    <ds:schemaRef ds:uri="71af3243-3dd4-4a8d-8c0d-dd76da1f02a5"/>
+    <ds:schemaRef ds:uri="230e9df3-be65-4c73-a93b-d1236ebd677e"/>
+  </ds:schemaRefs>
+</ds:datastoreItem>
 </file>
 
-<file path=customXml/itemProps1.xml><?xml version="1.0" encoding="utf-8"?>
+<file path=customXml/itemProps3.xml><?xml version="1.0" encoding="utf-8"?>
 <ds:datastoreItem xmlns:ds="http://schemas.openxmlformats.org/officeDocument/2006/customXml" ds:itemID="{5EDE3176-A15D-46A3-BDDB-64A0D7363224}">
   <ds:schemaRefs>
     <ds:schemaRef ds:uri="http://schemas.microsoft.com/office/2006/metadata/contentType"/>
@@ -13325,26 +13609,6 @@
 </ds:datastoreItem>
 </file>
 
-<file path=customXml/itemProps2.xml><?xml version="1.0" encoding="utf-8"?>
-<ds:datastoreItem xmlns:ds="http://schemas.openxmlformats.org/officeDocument/2006/customXml" ds:itemID="{49168DCE-134F-4610-A6AA-88CEBE8D71D2}">
-  <ds:schemaRefs>
-    <ds:schemaRef ds:uri="http://schemas.microsoft.com/office/2006/metadata/properties"/>
-    <ds:schemaRef ds:uri="http://schemas.microsoft.com/office/infopath/2007/PartnerControls"/>
-    <ds:schemaRef ds:uri="http://schemas.microsoft.com/sharepoint/v3"/>
-    <ds:schemaRef ds:uri="71af3243-3dd4-4a8d-8c0d-dd76da1f02a5"/>
-    <ds:schemaRef ds:uri="230e9df3-be65-4c73-a93b-d1236ebd677e"/>
-  </ds:schemaRefs>
-</ds:datastoreItem>
-</file>
-
-<file path=customXml/itemProps3.xml><?xml version="1.0" encoding="utf-8"?>
-<ds:datastoreItem xmlns:ds="http://schemas.openxmlformats.org/officeDocument/2006/customXml" ds:itemID="{CABF691C-888B-4061-8A6F-D5CE84A0254B}">
-  <ds:schemaRefs>
-    <ds:schemaRef ds:uri="http://schemas.microsoft.com/sharepoint/v3/contenttype/forms"/>
-  </ds:schemaRefs>
-</ds:datastoreItem>
-</file>
-
 <file path=docMetadata/LabelInfo.xml><?xml version="1.0" encoding="utf-8"?>
 <clbl:labelList xmlns:clbl="http://schemas.microsoft.com/office/2020/mipLabelMetadata"/>
 </file>